--- a/HS307/307-Module One.pptx
+++ b/HS307/307-Module One.pptx
@@ -10,8 +10,14 @@
     <p:sldId id="258" r:id="rId4"/>
     <p:sldId id="259" r:id="rId5"/>
     <p:sldId id="260" r:id="rId6"/>
-    <p:sldId id="261" r:id="rId7"/>
-    <p:sldId id="262" r:id="rId8"/>
+    <p:sldId id="263" r:id="rId7"/>
+    <p:sldId id="264" r:id="rId8"/>
+    <p:sldId id="261" r:id="rId9"/>
+    <p:sldId id="265" r:id="rId10"/>
+    <p:sldId id="266" r:id="rId11"/>
+    <p:sldId id="267" r:id="rId12"/>
+    <p:sldId id="268" r:id="rId13"/>
+    <p:sldId id="262" r:id="rId14"/>
   </p:sldIdLst>
   <p:sldSz cx="12192000" cy="6858000"/>
   <p:notesSz cx="6858000" cy="9144000"/>
@@ -110,6 +116,11 @@
       </a:defRPr>
     </a:lvl9pPr>
   </p:defaultTextStyle>
+  <p:extLst>
+    <p:ext uri="{EFAFB233-063F-42B5-8137-9DF3F51BA10A}">
+      <p15:sldGuideLst xmlns:p15="http://schemas.microsoft.com/office/powerpoint/2012/main"/>
+    </p:ext>
+  </p:extLst>
 </p:presentation>
 </file>
 
@@ -298,7 +309,7 @@
           <a:p>
             <a:fld id="{49111C55-5196-444E-A690-16E865890812}" type="datetimeFigureOut">
               <a:rPr lang="en-GB" smtClean="0"/>
-              <a:t>21/08/2022</a:t>
+              <a:t>10/09/2022</a:t>
             </a:fld>
             <a:endParaRPr lang="en-GB"/>
           </a:p>
@@ -596,7 +607,7 @@
           <a:p>
             <a:fld id="{49111C55-5196-444E-A690-16E865890812}" type="datetimeFigureOut">
               <a:rPr lang="en-GB" smtClean="0"/>
-              <a:t>21/08/2022</a:t>
+              <a:t>10/09/2022</a:t>
             </a:fld>
             <a:endParaRPr lang="en-GB"/>
           </a:p>
@@ -788,7 +799,7 @@
           <a:p>
             <a:fld id="{49111C55-5196-444E-A690-16E865890812}" type="datetimeFigureOut">
               <a:rPr lang="en-GB" smtClean="0"/>
-              <a:t>21/08/2022</a:t>
+              <a:t>10/09/2022</a:t>
             </a:fld>
             <a:endParaRPr lang="en-GB"/>
           </a:p>
@@ -1049,7 +1060,7 @@
           <a:p>
             <a:fld id="{49111C55-5196-444E-A690-16E865890812}" type="datetimeFigureOut">
               <a:rPr lang="en-GB" smtClean="0"/>
-              <a:t>21/08/2022</a:t>
+              <a:t>10/09/2022</a:t>
             </a:fld>
             <a:endParaRPr lang="en-GB"/>
           </a:p>
@@ -1473,7 +1484,7 @@
           <a:p>
             <a:fld id="{49111C55-5196-444E-A690-16E865890812}" type="datetimeFigureOut">
               <a:rPr lang="en-GB" smtClean="0"/>
-              <a:t>21/08/2022</a:t>
+              <a:t>10/09/2022</a:t>
             </a:fld>
             <a:endParaRPr lang="en-GB"/>
           </a:p>
@@ -2010,7 +2021,7 @@
           <a:p>
             <a:fld id="{49111C55-5196-444E-A690-16E865890812}" type="datetimeFigureOut">
               <a:rPr lang="en-GB" smtClean="0"/>
-              <a:t>21/08/2022</a:t>
+              <a:t>10/09/2022</a:t>
             </a:fld>
             <a:endParaRPr lang="en-GB"/>
           </a:p>
@@ -2874,7 +2885,7 @@
           <a:p>
             <a:fld id="{49111C55-5196-444E-A690-16E865890812}" type="datetimeFigureOut">
               <a:rPr lang="en-GB" smtClean="0"/>
-              <a:t>21/08/2022</a:t>
+              <a:t>10/09/2022</a:t>
             </a:fld>
             <a:endParaRPr lang="en-GB"/>
           </a:p>
@@ -3044,7 +3055,7 @@
           <a:p>
             <a:fld id="{49111C55-5196-444E-A690-16E865890812}" type="datetimeFigureOut">
               <a:rPr lang="en-GB" smtClean="0"/>
-              <a:t>21/08/2022</a:t>
+              <a:t>10/09/2022</a:t>
             </a:fld>
             <a:endParaRPr lang="en-GB"/>
           </a:p>
@@ -3228,7 +3239,7 @@
           <a:p>
             <a:fld id="{49111C55-5196-444E-A690-16E865890812}" type="datetimeFigureOut">
               <a:rPr lang="en-GB" smtClean="0"/>
-              <a:t>21/08/2022</a:t>
+              <a:t>10/09/2022</a:t>
             </a:fld>
             <a:endParaRPr lang="en-GB"/>
           </a:p>
@@ -3398,7 +3409,7 @@
           <a:p>
             <a:fld id="{49111C55-5196-444E-A690-16E865890812}" type="datetimeFigureOut">
               <a:rPr lang="en-GB" smtClean="0"/>
-              <a:t>21/08/2022</a:t>
+              <a:t>10/09/2022</a:t>
             </a:fld>
             <a:endParaRPr lang="en-GB"/>
           </a:p>
@@ -3642,7 +3653,7 @@
           <a:p>
             <a:fld id="{49111C55-5196-444E-A690-16E865890812}" type="datetimeFigureOut">
               <a:rPr lang="en-GB" smtClean="0"/>
-              <a:t>21/08/2022</a:t>
+              <a:t>10/09/2022</a:t>
             </a:fld>
             <a:endParaRPr lang="en-GB"/>
           </a:p>
@@ -3878,7 +3889,7 @@
           <a:p>
             <a:fld id="{49111C55-5196-444E-A690-16E865890812}" type="datetimeFigureOut">
               <a:rPr lang="en-GB" smtClean="0"/>
-              <a:t>21/08/2022</a:t>
+              <a:t>10/09/2022</a:t>
             </a:fld>
             <a:endParaRPr lang="en-GB"/>
           </a:p>
@@ -4344,7 +4355,7 @@
           <a:p>
             <a:fld id="{49111C55-5196-444E-A690-16E865890812}" type="datetimeFigureOut">
               <a:rPr lang="en-GB" smtClean="0"/>
-              <a:t>21/08/2022</a:t>
+              <a:t>10/09/2022</a:t>
             </a:fld>
             <a:endParaRPr lang="en-GB"/>
           </a:p>
@@ -4462,7 +4473,7 @@
           <a:p>
             <a:fld id="{49111C55-5196-444E-A690-16E865890812}" type="datetimeFigureOut">
               <a:rPr lang="en-GB" smtClean="0"/>
-              <a:t>21/08/2022</a:t>
+              <a:t>10/09/2022</a:t>
             </a:fld>
             <a:endParaRPr lang="en-GB"/>
           </a:p>
@@ -4557,7 +4568,7 @@
           <a:p>
             <a:fld id="{49111C55-5196-444E-A690-16E865890812}" type="datetimeFigureOut">
               <a:rPr lang="en-GB" smtClean="0"/>
-              <a:t>21/08/2022</a:t>
+              <a:t>10/09/2022</a:t>
             </a:fld>
             <a:endParaRPr lang="en-GB"/>
           </a:p>
@@ -4812,7 +4823,7 @@
           <a:p>
             <a:fld id="{49111C55-5196-444E-A690-16E865890812}" type="datetimeFigureOut">
               <a:rPr lang="en-GB" smtClean="0"/>
-              <a:t>21/08/2022</a:t>
+              <a:t>10/09/2022</a:t>
             </a:fld>
             <a:endParaRPr lang="en-GB"/>
           </a:p>
@@ -5112,7 +5123,7 @@
           <a:p>
             <a:fld id="{49111C55-5196-444E-A690-16E865890812}" type="datetimeFigureOut">
               <a:rPr lang="en-GB" smtClean="0"/>
-              <a:t>21/08/2022</a:t>
+              <a:t>10/09/2022</a:t>
             </a:fld>
             <a:endParaRPr lang="en-GB"/>
           </a:p>
@@ -5346,7 +5357,7 @@
           <a:p>
             <a:fld id="{49111C55-5196-444E-A690-16E865890812}" type="datetimeFigureOut">
               <a:rPr lang="en-GB" smtClean="0"/>
-              <a:t>21/08/2022</a:t>
+              <a:t>10/09/2022</a:t>
             </a:fld>
             <a:endParaRPr lang="en-GB"/>
           </a:p>
@@ -6109,6 +6120,1023 @@
 </p:sld>
 </file>
 
+<file path=ppt/slides/slide10.xml><?xml version="1.0" encoding="utf-8"?>
+<p:sld xmlns:a="http://schemas.openxmlformats.org/drawingml/2006/main" xmlns:r="http://schemas.openxmlformats.org/officeDocument/2006/relationships" xmlns:p="http://schemas.openxmlformats.org/presentationml/2006/main">
+  <p:cSld>
+    <p:spTree>
+      <p:nvGrpSpPr>
+        <p:cNvPr id="1" name=""/>
+        <p:cNvGrpSpPr/>
+        <p:nvPr/>
+      </p:nvGrpSpPr>
+      <p:grpSpPr>
+        <a:xfrm>
+          <a:off x="0" y="0"/>
+          <a:ext cx="0" cy="0"/>
+          <a:chOff x="0" y="0"/>
+          <a:chExt cx="0" cy="0"/>
+        </a:xfrm>
+      </p:grpSpPr>
+      <p:sp>
+        <p:nvSpPr>
+          <p:cNvPr id="2" name="Title 1"/>
+          <p:cNvSpPr>
+            <a:spLocks noGrp="1"/>
+          </p:cNvSpPr>
+          <p:nvPr>
+            <p:ph type="title"/>
+          </p:nvPr>
+        </p:nvSpPr>
+        <p:spPr/>
+        <p:txBody>
+          <a:bodyPr/>
+          <a:lstStyle/>
+          <a:p>
+            <a:r>
+              <a:rPr lang="en-US" dirty="0" smtClean="0"/>
+              <a:t>Irony 2</a:t>
+            </a:r>
+            <a:endParaRPr lang="en-GB" dirty="0"/>
+          </a:p>
+        </p:txBody>
+      </p:sp>
+      <p:sp>
+        <p:nvSpPr>
+          <p:cNvPr id="3" name="Content Placeholder 2"/>
+          <p:cNvSpPr>
+            <a:spLocks noGrp="1"/>
+          </p:cNvSpPr>
+          <p:nvPr>
+            <p:ph idx="1"/>
+          </p:nvPr>
+        </p:nvSpPr>
+        <p:spPr/>
+        <p:txBody>
+          <a:bodyPr>
+            <a:normAutofit lnSpcReduction="10000"/>
+          </a:bodyPr>
+          <a:lstStyle/>
+          <a:p>
+            <a:pPr lvl="1">
+              <a:buClr>
+                <a:srgbClr val="DADADA"/>
+              </a:buClr>
+              <a:buFont typeface="Wingdings" panose="05000000000000000000" pitchFamily="2" charset="2"/>
+              <a:buChar char="Ø"/>
+            </a:pPr>
+            <a:r>
+              <a:rPr lang="en-US" sz="2800" dirty="0" smtClean="0">
+                <a:ln>
+                  <a:solidFill>
+                    <a:prstClr val="black">
+                      <a:lumMod val="75000"/>
+                      <a:lumOff val="25000"/>
+                      <a:alpha val="10000"/>
+                    </a:prstClr>
+                  </a:solidFill>
+                </a:ln>
+                <a:solidFill>
+                  <a:srgbClr val="DADADA"/>
+                </a:solidFill>
+                <a:effectLst>
+                  <a:outerShdw blurRad="9525" dist="25400" dir="14640000" algn="tl" rotWithShape="0">
+                    <a:prstClr val="black">
+                      <a:alpha val="30000"/>
+                    </a:prstClr>
+                  </a:outerShdw>
+                </a:effectLst>
+              </a:rPr>
+              <a:t>Commonsense </a:t>
+            </a:r>
+            <a:r>
+              <a:rPr lang="en-US" sz="2800" dirty="0">
+                <a:ln>
+                  <a:solidFill>
+                    <a:prstClr val="black">
+                      <a:lumMod val="75000"/>
+                      <a:lumOff val="25000"/>
+                      <a:alpha val="10000"/>
+                    </a:prstClr>
+                  </a:solidFill>
+                </a:ln>
+                <a:solidFill>
+                  <a:srgbClr val="DADADA"/>
+                </a:solidFill>
+                <a:effectLst>
+                  <a:outerShdw blurRad="9525" dist="25400" dir="14640000" algn="tl" rotWithShape="0">
+                    <a:prstClr val="black">
+                      <a:alpha val="30000"/>
+                    </a:prstClr>
+                  </a:outerShdw>
+                </a:effectLst>
+              </a:rPr>
+              <a:t>is </a:t>
+            </a:r>
+            <a:r>
+              <a:rPr lang="en-US" sz="2800" u="sng" dirty="0">
+                <a:ln>
+                  <a:solidFill>
+                    <a:prstClr val="black">
+                      <a:lumMod val="75000"/>
+                      <a:lumOff val="25000"/>
+                      <a:alpha val="10000"/>
+                    </a:prstClr>
+                  </a:solidFill>
+                </a:ln>
+                <a:solidFill>
+                  <a:srgbClr val="DADADA"/>
+                </a:solidFill>
+                <a:effectLst>
+                  <a:outerShdw blurRad="9525" dist="25400" dir="14640000" algn="tl" rotWithShape="0">
+                    <a:prstClr val="black">
+                      <a:alpha val="30000"/>
+                    </a:prstClr>
+                  </a:outerShdw>
+                </a:effectLst>
+              </a:rPr>
+              <a:t>not</a:t>
+            </a:r>
+            <a:r>
+              <a:rPr lang="en-US" sz="2800" dirty="0">
+                <a:ln>
+                  <a:solidFill>
+                    <a:prstClr val="black">
+                      <a:lumMod val="75000"/>
+                      <a:lumOff val="25000"/>
+                      <a:alpha val="10000"/>
+                    </a:prstClr>
+                  </a:solidFill>
+                </a:ln>
+                <a:solidFill>
+                  <a:srgbClr val="DADADA"/>
+                </a:solidFill>
+                <a:effectLst>
+                  <a:outerShdw blurRad="9525" dist="25400" dir="14640000" algn="tl" rotWithShape="0">
+                    <a:prstClr val="black">
+                      <a:alpha val="30000"/>
+                    </a:prstClr>
+                  </a:outerShdw>
+                </a:effectLst>
+              </a:rPr>
+              <a:t> sociology, because sociology is its </a:t>
+            </a:r>
+            <a:r>
+              <a:rPr lang="en-US" sz="2800" dirty="0" smtClean="0">
+                <a:ln>
+                  <a:solidFill>
+                    <a:prstClr val="black">
+                      <a:lumMod val="75000"/>
+                      <a:lumOff val="25000"/>
+                      <a:alpha val="10000"/>
+                    </a:prstClr>
+                  </a:solidFill>
+                </a:ln>
+                <a:solidFill>
+                  <a:srgbClr val="DADADA"/>
+                </a:solidFill>
+                <a:effectLst>
+                  <a:outerShdw blurRad="9525" dist="25400" dir="14640000" algn="tl" rotWithShape="0">
+                    <a:prstClr val="black">
+                      <a:alpha val="30000"/>
+                    </a:prstClr>
+                  </a:outerShdw>
+                </a:effectLst>
+              </a:rPr>
+              <a:t>critique</a:t>
+            </a:r>
+          </a:p>
+          <a:p>
+            <a:pPr lvl="1">
+              <a:buClr>
+                <a:srgbClr val="DADADA"/>
+              </a:buClr>
+              <a:buFont typeface="Wingdings" panose="05000000000000000000" pitchFamily="2" charset="2"/>
+              <a:buChar char="Ø"/>
+            </a:pPr>
+            <a:r>
+              <a:rPr lang="en-US" sz="2800" dirty="0" smtClean="0">
+                <a:ln>
+                  <a:solidFill>
+                    <a:prstClr val="black">
+                      <a:lumMod val="75000"/>
+                      <a:lumOff val="25000"/>
+                      <a:alpha val="10000"/>
+                    </a:prstClr>
+                  </a:solidFill>
+                </a:ln>
+                <a:solidFill>
+                  <a:srgbClr val="DADADA"/>
+                </a:solidFill>
+                <a:effectLst>
+                  <a:outerShdw blurRad="9525" dist="25400" dir="14640000" algn="tl" rotWithShape="0">
+                    <a:prstClr val="black">
+                      <a:alpha val="30000"/>
+                    </a:prstClr>
+                  </a:outerShdw>
+                </a:effectLst>
+              </a:rPr>
+              <a:t>Peculiar complication: </a:t>
+            </a:r>
+            <a:r>
+              <a:rPr lang="en-US" sz="2800" dirty="0" err="1" smtClean="0">
+                <a:ln>
+                  <a:solidFill>
+                    <a:prstClr val="black">
+                      <a:lumMod val="75000"/>
+                      <a:lumOff val="25000"/>
+                      <a:alpha val="10000"/>
+                    </a:prstClr>
+                  </a:solidFill>
+                </a:ln>
+                <a:solidFill>
+                  <a:srgbClr val="DADADA"/>
+                </a:solidFill>
+                <a:effectLst>
+                  <a:outerShdw blurRad="9525" dist="25400" dir="14640000" algn="tl" rotWithShape="0">
+                    <a:prstClr val="black">
+                      <a:alpha val="30000"/>
+                    </a:prstClr>
+                  </a:outerShdw>
+                </a:effectLst>
+              </a:rPr>
+              <a:t>unilike</a:t>
+            </a:r>
+            <a:r>
+              <a:rPr lang="en-US" sz="2800" dirty="0" smtClean="0">
+                <a:ln>
+                  <a:solidFill>
+                    <a:prstClr val="black">
+                      <a:lumMod val="75000"/>
+                      <a:lumOff val="25000"/>
+                      <a:alpha val="10000"/>
+                    </a:prstClr>
+                  </a:solidFill>
+                </a:ln>
+                <a:solidFill>
+                  <a:srgbClr val="DADADA"/>
+                </a:solidFill>
+                <a:effectLst>
+                  <a:outerShdw blurRad="9525" dist="25400" dir="14640000" algn="tl" rotWithShape="0">
+                    <a:prstClr val="black">
+                      <a:alpha val="30000"/>
+                    </a:prstClr>
+                  </a:outerShdw>
+                </a:effectLst>
+              </a:rPr>
+              <a:t> geology/rock, CS is </a:t>
+            </a:r>
+            <a:r>
+              <a:rPr lang="en-US" sz="2800" u="sng" dirty="0" smtClean="0">
+                <a:ln>
+                  <a:solidFill>
+                    <a:prstClr val="black">
+                      <a:lumMod val="75000"/>
+                      <a:lumOff val="25000"/>
+                      <a:alpha val="10000"/>
+                    </a:prstClr>
+                  </a:solidFill>
+                </a:ln>
+                <a:solidFill>
+                  <a:srgbClr val="DADADA"/>
+                </a:solidFill>
+                <a:effectLst>
+                  <a:outerShdw blurRad="9525" dist="25400" dir="14640000" algn="tl" rotWithShape="0">
+                    <a:prstClr val="black">
+                      <a:alpha val="30000"/>
+                    </a:prstClr>
+                  </a:outerShdw>
+                </a:effectLst>
+              </a:rPr>
+              <a:t>not</a:t>
+            </a:r>
+            <a:r>
+              <a:rPr lang="en-US" sz="2800" dirty="0" smtClean="0">
+                <a:ln>
+                  <a:solidFill>
+                    <a:prstClr val="black">
+                      <a:lumMod val="75000"/>
+                      <a:lumOff val="25000"/>
+                      <a:alpha val="10000"/>
+                    </a:prstClr>
+                  </a:solidFill>
+                </a:ln>
+                <a:solidFill>
+                  <a:srgbClr val="DADADA"/>
+                </a:solidFill>
+                <a:effectLst>
+                  <a:outerShdw blurRad="9525" dist="25400" dir="14640000" algn="tl" rotWithShape="0">
+                    <a:prstClr val="black">
+                      <a:alpha val="30000"/>
+                    </a:prstClr>
+                  </a:outerShdw>
+                </a:effectLst>
+              </a:rPr>
+              <a:t> lack of wisdom</a:t>
+            </a:r>
+          </a:p>
+          <a:p>
+            <a:pPr lvl="1">
+              <a:buClr>
+                <a:srgbClr val="DADADA"/>
+              </a:buClr>
+              <a:buFont typeface="Wingdings" panose="05000000000000000000" pitchFamily="2" charset="2"/>
+              <a:buChar char="Ø"/>
+            </a:pPr>
+            <a:r>
+              <a:rPr lang="en-US" sz="2800" u="sng" dirty="0">
+                <a:ln>
+                  <a:solidFill>
+                    <a:prstClr val="black">
+                      <a:lumMod val="75000"/>
+                      <a:lumOff val="25000"/>
+                      <a:alpha val="10000"/>
+                    </a:prstClr>
+                  </a:solidFill>
+                </a:ln>
+                <a:solidFill>
+                  <a:srgbClr val="DADADA"/>
+                </a:solidFill>
+                <a:effectLst>
+                  <a:outerShdw blurRad="9525" dist="25400" dir="14640000" algn="tl" rotWithShape="0">
+                    <a:prstClr val="black">
+                      <a:alpha val="30000"/>
+                    </a:prstClr>
+                  </a:outerShdw>
+                </a:effectLst>
+              </a:rPr>
+              <a:t>N</a:t>
+            </a:r>
+            <a:r>
+              <a:rPr lang="en-US" sz="2800" u="sng" dirty="0" smtClean="0">
+                <a:ln>
+                  <a:solidFill>
+                    <a:prstClr val="black">
+                      <a:lumMod val="75000"/>
+                      <a:lumOff val="25000"/>
+                      <a:alpha val="10000"/>
+                    </a:prstClr>
+                  </a:solidFill>
+                </a:ln>
+                <a:solidFill>
+                  <a:srgbClr val="DADADA"/>
+                </a:solidFill>
+                <a:effectLst>
+                  <a:outerShdw blurRad="9525" dist="25400" dir="14640000" algn="tl" rotWithShape="0">
+                    <a:prstClr val="black">
+                      <a:alpha val="30000"/>
+                    </a:prstClr>
+                  </a:outerShdw>
+                </a:effectLst>
+              </a:rPr>
+              <a:t>o </a:t>
+            </a:r>
+            <a:r>
+              <a:rPr lang="en-US" sz="2800" u="sng" dirty="0" err="1" smtClean="0">
+                <a:ln>
+                  <a:solidFill>
+                    <a:prstClr val="black">
+                      <a:lumMod val="75000"/>
+                      <a:lumOff val="25000"/>
+                      <a:alpha val="10000"/>
+                    </a:prstClr>
+                  </a:solidFill>
+                </a:ln>
+                <a:solidFill>
+                  <a:srgbClr val="DADADA"/>
+                </a:solidFill>
+                <a:effectLst>
+                  <a:outerShdw blurRad="9525" dist="25400" dir="14640000" algn="tl" rotWithShape="0">
+                    <a:prstClr val="black">
+                      <a:alpha val="30000"/>
+                    </a:prstClr>
+                  </a:outerShdw>
+                </a:effectLst>
+              </a:rPr>
+              <a:t>Archemedian</a:t>
+            </a:r>
+            <a:r>
+              <a:rPr lang="en-US" sz="2800" u="sng" dirty="0" smtClean="0">
+                <a:ln>
+                  <a:solidFill>
+                    <a:prstClr val="black">
+                      <a:lumMod val="75000"/>
+                      <a:lumOff val="25000"/>
+                      <a:alpha val="10000"/>
+                    </a:prstClr>
+                  </a:solidFill>
+                </a:ln>
+                <a:solidFill>
+                  <a:srgbClr val="DADADA"/>
+                </a:solidFill>
+                <a:effectLst>
+                  <a:outerShdw blurRad="9525" dist="25400" dir="14640000" algn="tl" rotWithShape="0">
+                    <a:prstClr val="black">
+                      <a:alpha val="30000"/>
+                    </a:prstClr>
+                  </a:outerShdw>
+                </a:effectLst>
+              </a:rPr>
+              <a:t> outside</a:t>
+            </a:r>
+            <a:r>
+              <a:rPr lang="en-US" sz="2800" dirty="0" smtClean="0">
+                <a:ln>
+                  <a:solidFill>
+                    <a:prstClr val="black">
+                      <a:lumMod val="75000"/>
+                      <a:lumOff val="25000"/>
+                      <a:alpha val="10000"/>
+                    </a:prstClr>
+                  </a:solidFill>
+                </a:ln>
+                <a:solidFill>
+                  <a:srgbClr val="DADADA"/>
+                </a:solidFill>
+                <a:effectLst>
+                  <a:outerShdw blurRad="9525" dist="25400" dir="14640000" algn="tl" rotWithShape="0">
+                    <a:prstClr val="black">
+                      <a:alpha val="30000"/>
+                    </a:prstClr>
+                  </a:outerShdw>
+                </a:effectLst>
+              </a:rPr>
+              <a:t>: nothing, including the sociologist, is outside CS</a:t>
+            </a:r>
+          </a:p>
+          <a:p>
+            <a:pPr lvl="1">
+              <a:buClr>
+                <a:srgbClr val="DADADA"/>
+              </a:buClr>
+              <a:buFont typeface="Wingdings" panose="05000000000000000000" pitchFamily="2" charset="2"/>
+              <a:buChar char="Ø"/>
+            </a:pPr>
+            <a:r>
+              <a:rPr lang="en-US" sz="2800" u="sng" dirty="0" smtClean="0">
+                <a:ln>
+                  <a:solidFill>
+                    <a:prstClr val="black">
+                      <a:lumMod val="75000"/>
+                      <a:lumOff val="25000"/>
+                      <a:alpha val="10000"/>
+                    </a:prstClr>
+                  </a:solidFill>
+                </a:ln>
+                <a:solidFill>
+                  <a:srgbClr val="DADADA"/>
+                </a:solidFill>
+                <a:effectLst>
+                  <a:outerShdw blurRad="9525" dist="25400" dir="14640000" algn="tl" rotWithShape="0">
+                    <a:prstClr val="black">
+                      <a:alpha val="30000"/>
+                    </a:prstClr>
+                  </a:outerShdw>
+                </a:effectLst>
+              </a:rPr>
+              <a:t>Therefore</a:t>
+            </a:r>
+            <a:r>
+              <a:rPr lang="en-US" sz="2800" dirty="0" smtClean="0">
+                <a:ln>
+                  <a:solidFill>
+                    <a:prstClr val="black">
+                      <a:lumMod val="75000"/>
+                      <a:lumOff val="25000"/>
+                      <a:alpha val="10000"/>
+                    </a:prstClr>
+                  </a:solidFill>
+                </a:ln>
+                <a:solidFill>
+                  <a:srgbClr val="DADADA"/>
+                </a:solidFill>
+                <a:effectLst>
+                  <a:outerShdw blurRad="9525" dist="25400" dir="14640000" algn="tl" rotWithShape="0">
+                    <a:prstClr val="black">
+                      <a:alpha val="30000"/>
+                    </a:prstClr>
+                  </a:outerShdw>
+                </a:effectLst>
+              </a:rPr>
+              <a:t>, how to cultivate greater objectivity? </a:t>
+            </a:r>
+            <a:r>
+              <a:rPr lang="en-US" sz="2800" dirty="0" smtClean="0">
+                <a:ln>
+                  <a:solidFill>
+                    <a:prstClr val="black">
+                      <a:lumMod val="75000"/>
+                      <a:lumOff val="25000"/>
+                      <a:alpha val="10000"/>
+                    </a:prstClr>
+                  </a:solidFill>
+                </a:ln>
+                <a:solidFill>
+                  <a:srgbClr val="DADADA"/>
+                </a:solidFill>
+                <a:effectLst>
+                  <a:outerShdw blurRad="9525" dist="25400" dir="14640000" algn="tl" rotWithShape="0">
+                    <a:prstClr val="black">
+                      <a:alpha val="30000"/>
+                    </a:prstClr>
+                  </a:outerShdw>
+                </a:effectLst>
+                <a:sym typeface="Wingdings" panose="05000000000000000000" pitchFamily="2" charset="2"/>
+              </a:rPr>
+              <a:t> foreground all ‘backstage’ details</a:t>
+            </a:r>
+            <a:endParaRPr lang="en-US" sz="2800" dirty="0">
+              <a:ln>
+                <a:solidFill>
+                  <a:prstClr val="black">
+                    <a:lumMod val="75000"/>
+                    <a:lumOff val="25000"/>
+                    <a:alpha val="10000"/>
+                  </a:prstClr>
+                </a:solidFill>
+              </a:ln>
+              <a:solidFill>
+                <a:srgbClr val="DADADA"/>
+              </a:solidFill>
+              <a:effectLst>
+                <a:outerShdw blurRad="9525" dist="25400" dir="14640000" algn="tl" rotWithShape="0">
+                  <a:prstClr val="black">
+                    <a:alpha val="30000"/>
+                  </a:prstClr>
+                </a:outerShdw>
+              </a:effectLst>
+            </a:endParaRPr>
+          </a:p>
+          <a:p>
+            <a:endParaRPr lang="en-GB" dirty="0"/>
+          </a:p>
+        </p:txBody>
+      </p:sp>
+    </p:spTree>
+    <p:extLst>
+      <p:ext uri="{BB962C8B-B14F-4D97-AF65-F5344CB8AC3E}">
+        <p14:creationId xmlns:p14="http://schemas.microsoft.com/office/powerpoint/2010/main" val="100001941"/>
+      </p:ext>
+    </p:extLst>
+  </p:cSld>
+  <p:clrMapOvr>
+    <a:masterClrMapping/>
+  </p:clrMapOvr>
+  <p:timing>
+    <p:tnLst>
+      <p:par>
+        <p:cTn id="1" dur="indefinite" restart="never" nodeType="tmRoot"/>
+      </p:par>
+    </p:tnLst>
+  </p:timing>
+</p:sld>
+</file>
+
+<file path=ppt/slides/slide11.xml><?xml version="1.0" encoding="utf-8"?>
+<p:sld xmlns:a="http://schemas.openxmlformats.org/drawingml/2006/main" xmlns:r="http://schemas.openxmlformats.org/officeDocument/2006/relationships" xmlns:p="http://schemas.openxmlformats.org/presentationml/2006/main">
+  <p:cSld>
+    <p:spTree>
+      <p:nvGrpSpPr>
+        <p:cNvPr id="1" name=""/>
+        <p:cNvGrpSpPr/>
+        <p:nvPr/>
+      </p:nvGrpSpPr>
+      <p:grpSpPr>
+        <a:xfrm>
+          <a:off x="0" y="0"/>
+          <a:ext cx="0" cy="0"/>
+          <a:chOff x="0" y="0"/>
+          <a:chExt cx="0" cy="0"/>
+        </a:xfrm>
+      </p:grpSpPr>
+      <p:sp>
+        <p:nvSpPr>
+          <p:cNvPr id="2" name="Title 1"/>
+          <p:cNvSpPr>
+            <a:spLocks noGrp="1"/>
+          </p:cNvSpPr>
+          <p:nvPr>
+            <p:ph type="title"/>
+          </p:nvPr>
+        </p:nvSpPr>
+        <p:spPr/>
+        <p:txBody>
+          <a:bodyPr/>
+          <a:lstStyle/>
+          <a:p>
+            <a:r>
+              <a:rPr lang="en-US" dirty="0" smtClean="0"/>
+              <a:t>How then to study CS?</a:t>
+            </a:r>
+            <a:endParaRPr lang="en-GB" dirty="0"/>
+          </a:p>
+        </p:txBody>
+      </p:sp>
+      <p:sp>
+        <p:nvSpPr>
+          <p:cNvPr id="3" name="Content Placeholder 2"/>
+          <p:cNvSpPr>
+            <a:spLocks noGrp="1"/>
+          </p:cNvSpPr>
+          <p:nvPr>
+            <p:ph idx="1"/>
+          </p:nvPr>
+        </p:nvSpPr>
+        <p:spPr/>
+        <p:txBody>
+          <a:bodyPr>
+            <a:normAutofit lnSpcReduction="10000"/>
+          </a:bodyPr>
+          <a:lstStyle/>
+          <a:p>
+            <a:r>
+              <a:rPr lang="en-US" sz="3200" dirty="0" smtClean="0"/>
+              <a:t>a) CS is </a:t>
+            </a:r>
+            <a:r>
+              <a:rPr lang="en-US" sz="3200" u="sng" dirty="0" smtClean="0"/>
+              <a:t>not</a:t>
+            </a:r>
+            <a:r>
+              <a:rPr lang="en-US" sz="3200" dirty="0" smtClean="0"/>
+              <a:t> a seamless single monolith </a:t>
+            </a:r>
+            <a:r>
+              <a:rPr lang="en-US" sz="3200" dirty="0" smtClean="0">
+                <a:sym typeface="Wingdings" panose="05000000000000000000" pitchFamily="2" charset="2"/>
+              </a:rPr>
+              <a:t> switching perspectives</a:t>
+            </a:r>
+          </a:p>
+          <a:p>
+            <a:r>
+              <a:rPr lang="en-US" sz="3200" dirty="0" smtClean="0">
+                <a:sym typeface="Wingdings" panose="05000000000000000000" pitchFamily="2" charset="2"/>
+              </a:rPr>
+              <a:t>b) CS is </a:t>
+            </a:r>
+            <a:r>
+              <a:rPr lang="en-US" sz="3200" u="sng" dirty="0" smtClean="0">
+                <a:sym typeface="Wingdings" panose="05000000000000000000" pitchFamily="2" charset="2"/>
+              </a:rPr>
+              <a:t>always</a:t>
+            </a:r>
+            <a:r>
+              <a:rPr lang="en-US" sz="3200" dirty="0" smtClean="0">
+                <a:sym typeface="Wingdings" panose="05000000000000000000" pitchFamily="2" charset="2"/>
+              </a:rPr>
+              <a:t> implicated in power relations, </a:t>
+            </a:r>
+            <a:r>
+              <a:rPr lang="en-US" sz="3200" u="sng" dirty="0" smtClean="0">
+                <a:sym typeface="Wingdings" panose="05000000000000000000" pitchFamily="2" charset="2"/>
+              </a:rPr>
+              <a:t>yet</a:t>
+            </a:r>
+            <a:r>
+              <a:rPr lang="en-US" sz="3200" dirty="0" smtClean="0">
+                <a:sym typeface="Wingdings" panose="05000000000000000000" pitchFamily="2" charset="2"/>
+              </a:rPr>
+              <a:t> never complete</a:t>
+            </a:r>
+          </a:p>
+          <a:p>
+            <a:r>
+              <a:rPr lang="en-US" sz="3200" u="sng" dirty="0" smtClean="0">
+                <a:sym typeface="Wingdings" panose="05000000000000000000" pitchFamily="2" charset="2"/>
+              </a:rPr>
+              <a:t>But</a:t>
+            </a:r>
+            <a:r>
+              <a:rPr lang="en-US" sz="3200" dirty="0" smtClean="0">
+                <a:sym typeface="Wingdings" panose="05000000000000000000" pitchFamily="2" charset="2"/>
+              </a:rPr>
+              <a:t>, CS is necessarily false/wrong that needs correction which sociologists do  what remains </a:t>
+            </a:r>
+            <a:r>
+              <a:rPr lang="en-US" sz="3200" u="sng" dirty="0" smtClean="0">
+                <a:sym typeface="Wingdings" panose="05000000000000000000" pitchFamily="2" charset="2"/>
+              </a:rPr>
+              <a:t>unexamined</a:t>
+            </a:r>
+            <a:r>
+              <a:rPr lang="en-US" sz="3200" dirty="0" smtClean="0">
+                <a:sym typeface="Wingdings" panose="05000000000000000000" pitchFamily="2" charset="2"/>
+              </a:rPr>
+              <a:t> is </a:t>
+            </a:r>
+            <a:r>
+              <a:rPr lang="en-US" sz="3200" smtClean="0">
+                <a:sym typeface="Wingdings" panose="05000000000000000000" pitchFamily="2" charset="2"/>
+              </a:rPr>
+              <a:t>both vital (cement) </a:t>
+            </a:r>
+            <a:r>
+              <a:rPr lang="en-US" sz="3200" dirty="0" smtClean="0">
+                <a:sym typeface="Wingdings" panose="05000000000000000000" pitchFamily="2" charset="2"/>
+              </a:rPr>
+              <a:t>and could contain things that we seek to preserve</a:t>
+            </a:r>
+            <a:endParaRPr lang="en-GB" sz="3200" u="sng" dirty="0"/>
+          </a:p>
+        </p:txBody>
+      </p:sp>
+    </p:spTree>
+    <p:extLst>
+      <p:ext uri="{BB962C8B-B14F-4D97-AF65-F5344CB8AC3E}">
+        <p14:creationId xmlns:p14="http://schemas.microsoft.com/office/powerpoint/2010/main" val="1830411557"/>
+      </p:ext>
+    </p:extLst>
+  </p:cSld>
+  <p:clrMapOvr>
+    <a:masterClrMapping/>
+  </p:clrMapOvr>
+</p:sld>
+</file>
+
+<file path=ppt/slides/slide12.xml><?xml version="1.0" encoding="utf-8"?>
+<p:sld xmlns:a="http://schemas.openxmlformats.org/drawingml/2006/main" xmlns:r="http://schemas.openxmlformats.org/officeDocument/2006/relationships" xmlns:p="http://schemas.openxmlformats.org/presentationml/2006/main">
+  <p:cSld>
+    <p:spTree>
+      <p:nvGrpSpPr>
+        <p:cNvPr id="1" name=""/>
+        <p:cNvGrpSpPr/>
+        <p:nvPr/>
+      </p:nvGrpSpPr>
+      <p:grpSpPr>
+        <a:xfrm>
+          <a:off x="0" y="0"/>
+          <a:ext cx="0" cy="0"/>
+          <a:chOff x="0" y="0"/>
+          <a:chExt cx="0" cy="0"/>
+        </a:xfrm>
+      </p:grpSpPr>
+      <p:sp>
+        <p:nvSpPr>
+          <p:cNvPr id="2" name="Title 1"/>
+          <p:cNvSpPr>
+            <a:spLocks noGrp="1"/>
+          </p:cNvSpPr>
+          <p:nvPr>
+            <p:ph type="title"/>
+          </p:nvPr>
+        </p:nvSpPr>
+        <p:spPr/>
+        <p:txBody>
+          <a:bodyPr/>
+          <a:lstStyle/>
+          <a:p>
+            <a:r>
+              <a:rPr lang="en-US" u="sng" dirty="0" smtClean="0"/>
+              <a:t>Then?</a:t>
+            </a:r>
+            <a:endParaRPr lang="en-GB" u="sng" dirty="0"/>
+          </a:p>
+        </p:txBody>
+      </p:sp>
+      <p:sp>
+        <p:nvSpPr>
+          <p:cNvPr id="3" name="Content Placeholder 2"/>
+          <p:cNvSpPr>
+            <a:spLocks noGrp="1"/>
+          </p:cNvSpPr>
+          <p:nvPr>
+            <p:ph idx="1"/>
+          </p:nvPr>
+        </p:nvSpPr>
+        <p:spPr/>
+        <p:txBody>
+          <a:bodyPr>
+            <a:normAutofit lnSpcReduction="10000"/>
+          </a:bodyPr>
+          <a:lstStyle/>
+          <a:p>
+            <a:r>
+              <a:rPr lang="en-US" sz="3200" dirty="0" err="1" smtClean="0"/>
+              <a:t>Sociolgy’s</a:t>
+            </a:r>
+            <a:r>
+              <a:rPr lang="en-US" sz="3200" dirty="0" smtClean="0"/>
+              <a:t> aim is to </a:t>
+            </a:r>
+            <a:r>
+              <a:rPr lang="en-US" sz="3200" u="sng" dirty="0" smtClean="0"/>
+              <a:t>convert what is pre-</a:t>
+            </a:r>
+            <a:r>
+              <a:rPr lang="en-US" sz="3200" u="sng" dirty="0" err="1" smtClean="0"/>
+              <a:t>judice</a:t>
+            </a:r>
+            <a:r>
+              <a:rPr lang="en-US" sz="3200" u="sng" dirty="0" smtClean="0"/>
+              <a:t> into post-</a:t>
+            </a:r>
+            <a:r>
+              <a:rPr lang="en-US" sz="3200" u="sng" dirty="0" err="1" smtClean="0"/>
+              <a:t>judice</a:t>
+            </a:r>
+            <a:endParaRPr lang="en-US" sz="3200" u="sng" dirty="0" smtClean="0"/>
+          </a:p>
+          <a:p>
+            <a:r>
+              <a:rPr lang="en-US" sz="3200" dirty="0" smtClean="0"/>
+              <a:t>After that, values and practices that we wish to defend/preserve, challenge/abandon, or both or confusing: sociology </a:t>
+            </a:r>
+            <a:r>
+              <a:rPr lang="en-US" sz="3200" u="sng" dirty="0" smtClean="0"/>
+              <a:t>may or may not</a:t>
+            </a:r>
+            <a:r>
+              <a:rPr lang="en-US" sz="3200" dirty="0" smtClean="0"/>
+              <a:t> help in this post-</a:t>
+            </a:r>
+            <a:r>
+              <a:rPr lang="en-US" sz="3200" dirty="0" err="1" smtClean="0"/>
+              <a:t>judice</a:t>
+            </a:r>
+            <a:r>
+              <a:rPr lang="en-US" sz="3200" dirty="0" smtClean="0"/>
+              <a:t> phase</a:t>
+            </a:r>
+          </a:p>
+          <a:p>
+            <a:r>
+              <a:rPr lang="en-US" sz="3200" dirty="0" smtClean="0"/>
+              <a:t>Doing sociology is to </a:t>
+            </a:r>
+            <a:r>
+              <a:rPr lang="en-US" sz="3200" dirty="0" err="1" smtClean="0"/>
+              <a:t>practise</a:t>
+            </a:r>
+            <a:r>
+              <a:rPr lang="en-US" sz="3200" dirty="0" smtClean="0"/>
+              <a:t> squint-eyed view: </a:t>
+            </a:r>
+            <a:r>
+              <a:rPr lang="en-US" sz="3200" u="sng" dirty="0" smtClean="0"/>
+              <a:t>to see double</a:t>
+            </a:r>
+            <a:r>
+              <a:rPr lang="en-US" sz="3200" dirty="0" smtClean="0"/>
+              <a:t> </a:t>
+            </a:r>
+            <a:endParaRPr lang="en-GB" sz="3200" dirty="0"/>
+          </a:p>
+        </p:txBody>
+      </p:sp>
+    </p:spTree>
+    <p:extLst>
+      <p:ext uri="{BB962C8B-B14F-4D97-AF65-F5344CB8AC3E}">
+        <p14:creationId xmlns:p14="http://schemas.microsoft.com/office/powerpoint/2010/main" val="3633946515"/>
+      </p:ext>
+    </p:extLst>
+  </p:cSld>
+  <p:clrMapOvr>
+    <a:masterClrMapping/>
+  </p:clrMapOvr>
+</p:sld>
+</file>
+
+<file path=ppt/slides/slide13.xml><?xml version="1.0" encoding="utf-8"?>
+<p:sld xmlns:a="http://schemas.openxmlformats.org/drawingml/2006/main" xmlns:r="http://schemas.openxmlformats.org/officeDocument/2006/relationships" xmlns:p="http://schemas.openxmlformats.org/presentationml/2006/main">
+  <p:cSld>
+    <p:spTree>
+      <p:nvGrpSpPr>
+        <p:cNvPr id="1" name=""/>
+        <p:cNvGrpSpPr/>
+        <p:nvPr/>
+      </p:nvGrpSpPr>
+      <p:grpSpPr>
+        <a:xfrm>
+          <a:off x="0" y="0"/>
+          <a:ext cx="0" cy="0"/>
+          <a:chOff x="0" y="0"/>
+          <a:chExt cx="0" cy="0"/>
+        </a:xfrm>
+      </p:grpSpPr>
+      <p:sp>
+        <p:nvSpPr>
+          <p:cNvPr id="2" name="Title 1"/>
+          <p:cNvSpPr>
+            <a:spLocks noGrp="1"/>
+          </p:cNvSpPr>
+          <p:nvPr>
+            <p:ph type="title"/>
+          </p:nvPr>
+        </p:nvSpPr>
+        <p:spPr/>
+        <p:txBody>
+          <a:bodyPr/>
+          <a:lstStyle/>
+          <a:p>
+            <a:r>
+              <a:rPr lang="en-US" dirty="0" smtClean="0"/>
+              <a:t>Where are we then?!</a:t>
+            </a:r>
+            <a:endParaRPr lang="en-GB" dirty="0"/>
+          </a:p>
+        </p:txBody>
+      </p:sp>
+      <p:sp>
+        <p:nvSpPr>
+          <p:cNvPr id="3" name="Content Placeholder 2"/>
+          <p:cNvSpPr>
+            <a:spLocks noGrp="1"/>
+          </p:cNvSpPr>
+          <p:nvPr>
+            <p:ph idx="1"/>
+          </p:nvPr>
+        </p:nvSpPr>
+        <p:spPr/>
+        <p:txBody>
+          <a:bodyPr>
+            <a:normAutofit fontScale="85000" lnSpcReduction="10000"/>
+          </a:bodyPr>
+          <a:lstStyle/>
+          <a:p>
+            <a:r>
+              <a:rPr lang="en-US" sz="3200" dirty="0" smtClean="0"/>
+              <a:t>Thomas Kuhn: normal science and revolutionary science; paradigm</a:t>
+            </a:r>
+          </a:p>
+          <a:p>
+            <a:r>
+              <a:rPr lang="en-US" sz="3200" dirty="0" smtClean="0"/>
+              <a:t>Universality of hermeneutics; but…</a:t>
+            </a:r>
+          </a:p>
+          <a:p>
+            <a:r>
+              <a:rPr lang="en-US" sz="3200" dirty="0" smtClean="0"/>
+              <a:t>Rethinking what science is:</a:t>
+            </a:r>
+          </a:p>
+          <a:p>
+            <a:pPr lvl="1">
+              <a:buFont typeface="Wingdings" panose="05000000000000000000" pitchFamily="2" charset="2"/>
+              <a:buChar char="Ø"/>
+            </a:pPr>
+            <a:r>
+              <a:rPr lang="en-US" sz="3000" dirty="0"/>
+              <a:t>C</a:t>
+            </a:r>
+            <a:r>
+              <a:rPr lang="en-US" sz="3000" dirty="0" smtClean="0"/>
+              <a:t>ommunity, training, consensus building, anxiety to belong</a:t>
+            </a:r>
+          </a:p>
+          <a:p>
+            <a:pPr lvl="1">
+              <a:buFont typeface="Wingdings" panose="05000000000000000000" pitchFamily="2" charset="2"/>
+              <a:buChar char="Ø"/>
+            </a:pPr>
+            <a:r>
+              <a:rPr lang="en-US" sz="3000" dirty="0" smtClean="0"/>
+              <a:t>Yet, competitive, critical; rule-bound and systematic</a:t>
+            </a:r>
+          </a:p>
+          <a:p>
+            <a:pPr lvl="1">
+              <a:buFont typeface="Wingdings" panose="05000000000000000000" pitchFamily="2" charset="2"/>
+              <a:buChar char="Ø"/>
+            </a:pPr>
+            <a:r>
+              <a:rPr lang="en-US" sz="3000" dirty="0" smtClean="0"/>
+              <a:t>Four critical steps: research question, method, evidence, conclusion</a:t>
+            </a:r>
+          </a:p>
+          <a:p>
+            <a:pPr lvl="1">
+              <a:buFont typeface="Wingdings" panose="05000000000000000000" pitchFamily="2" charset="2"/>
+              <a:buChar char="Ø"/>
+            </a:pPr>
+            <a:r>
+              <a:rPr lang="en-US" sz="3000" dirty="0" smtClean="0"/>
+              <a:t>Usable, cumulative, engineering</a:t>
+            </a:r>
+            <a:endParaRPr lang="en-GB" sz="3000" dirty="0"/>
+          </a:p>
+        </p:txBody>
+      </p:sp>
+    </p:spTree>
+    <p:extLst>
+      <p:ext uri="{BB962C8B-B14F-4D97-AF65-F5344CB8AC3E}">
+        <p14:creationId xmlns:p14="http://schemas.microsoft.com/office/powerpoint/2010/main" val="3830980707"/>
+      </p:ext>
+    </p:extLst>
+  </p:cSld>
+  <p:clrMapOvr>
+    <a:masterClrMapping/>
+  </p:clrMapOvr>
+  <p:timing>
+    <p:tnLst>
+      <p:par>
+        <p:cTn id="1" dur="indefinite" restart="never" nodeType="tmRoot"/>
+      </p:par>
+    </p:tnLst>
+  </p:timing>
+</p:sld>
+</file>
+
 <file path=ppt/slides/slide2.xml><?xml version="1.0" encoding="utf-8"?>
 <p:sld xmlns:a="http://schemas.openxmlformats.org/drawingml/2006/main" xmlns:r="http://schemas.openxmlformats.org/officeDocument/2006/relationships" xmlns:p="http://schemas.openxmlformats.org/presentationml/2006/main">
   <p:cSld>
@@ -6874,9 +7902,13 @@
           <a:p>
             <a:r>
               <a:rPr lang="en-US" dirty="0" smtClean="0"/>
-              <a:t>Difficulty one: Matching up</a:t>
-            </a:r>
-            <a:endParaRPr lang="en-GB" dirty="0"/>
+              <a:t>Difficulty one: </a:t>
+            </a:r>
+            <a:r>
+              <a:rPr lang="en-US" u="sng" dirty="0" smtClean="0"/>
+              <a:t>Matching up</a:t>
+            </a:r>
+            <a:endParaRPr lang="en-GB" u="sng" dirty="0"/>
           </a:p>
         </p:txBody>
       </p:sp>
@@ -6899,39 +7931,73 @@
           <a:p>
             <a:r>
               <a:rPr lang="en-US" sz="3200" dirty="0" smtClean="0"/>
-              <a:t>The model set by natural sciences: six criteria</a:t>
-            </a:r>
-          </a:p>
-          <a:p>
-            <a:r>
-              <a:rPr lang="en-US" sz="3200" dirty="0" smtClean="0"/>
-              <a:t>The theoretical ambition</a:t>
-            </a:r>
-          </a:p>
-          <a:p>
-            <a:r>
-              <a:rPr lang="en-US" sz="3200" dirty="0" smtClean="0"/>
-              <a:t>Pre-paradigmatic stage?</a:t>
-            </a:r>
-          </a:p>
-          <a:p>
-            <a:r>
-              <a:rPr lang="en-US" sz="3200" dirty="0" smtClean="0"/>
-              <a:t>Hermeneutical stumbling blocks</a:t>
-            </a:r>
-          </a:p>
-          <a:p>
-            <a:r>
-              <a:rPr lang="en-US" sz="3200" dirty="0" smtClean="0"/>
-              <a:t>Dead objects, self-reflecting humans/subject</a:t>
-            </a:r>
-          </a:p>
-          <a:p>
-            <a:r>
-              <a:rPr lang="en-US" sz="3200" dirty="0" smtClean="0"/>
-              <a:t>The deadly paradox of social theory</a:t>
-            </a:r>
-            <a:endParaRPr lang="en-GB" sz="3200" dirty="0"/>
+              <a:t>The model set by natural sciences:</a:t>
+            </a:r>
+          </a:p>
+          <a:p>
+            <a:pPr lvl="1"/>
+            <a:r>
+              <a:rPr lang="en-US" sz="3000" dirty="0" smtClean="0"/>
+              <a:t>‘Knowledge’ that is rational, empirical; causal explanation; predictive, cumulative and thus transformative</a:t>
+            </a:r>
+          </a:p>
+          <a:p>
+            <a:pPr lvl="1"/>
+            <a:r>
+              <a:rPr lang="en-US" sz="3000" dirty="0" smtClean="0"/>
+              <a:t>Such knowledge is ‘objective’</a:t>
+            </a:r>
+          </a:p>
+          <a:p>
+            <a:pPr lvl="1"/>
+            <a:r>
+              <a:rPr lang="en-US" sz="3000" u="sng" dirty="0"/>
+              <a:t>S</a:t>
+            </a:r>
+            <a:r>
+              <a:rPr lang="en-US" sz="3000" u="sng" dirty="0" smtClean="0"/>
+              <a:t>ix criteria</a:t>
+            </a:r>
+            <a:r>
+              <a:rPr lang="en-US" sz="3000" dirty="0" smtClean="0"/>
+              <a:t>: </a:t>
+            </a:r>
+            <a:r>
+              <a:rPr lang="en-IN" sz="3000" dirty="0" smtClean="0"/>
+              <a:t>explicit</a:t>
+            </a:r>
+            <a:r>
+              <a:rPr lang="en-IN" sz="3000" dirty="0"/>
+              <a:t>; universal; abstract; discrete; systematic; complete and </a:t>
+            </a:r>
+            <a:r>
+              <a:rPr lang="en-IN" sz="3000" dirty="0" smtClean="0"/>
+              <a:t>predictive</a:t>
+            </a:r>
+          </a:p>
+          <a:p>
+            <a:pPr marL="450000" lvl="1" indent="0">
+              <a:buNone/>
+            </a:pPr>
+            <a:r>
+              <a:rPr lang="en-IN" sz="3000" dirty="0" smtClean="0">
+                <a:sym typeface="Wingdings" panose="05000000000000000000" pitchFamily="2" charset="2"/>
+              </a:rPr>
+              <a:t>		</a:t>
+            </a:r>
+            <a:r>
+              <a:rPr lang="en-IN" sz="3000" dirty="0" smtClean="0"/>
+              <a:t> </a:t>
+            </a:r>
+            <a:r>
+              <a:rPr lang="en-IN" sz="3000" dirty="0"/>
+              <a:t>context </a:t>
+            </a:r>
+            <a:r>
+              <a:rPr lang="en-IN" sz="3000" dirty="0" smtClean="0"/>
+              <a:t>independence (of object and subject)</a:t>
+            </a:r>
+            <a:endParaRPr lang="en-US" sz="3000" dirty="0" smtClean="0"/>
           </a:p>
         </p:txBody>
       </p:sp>
@@ -6988,8 +8054,12 @@
           <a:lstStyle/>
           <a:p>
             <a:r>
+              <a:rPr lang="en-US" u="sng" dirty="0" smtClean="0"/>
+              <a:t>Matching up</a:t>
+            </a:r>
+            <a:r>
               <a:rPr lang="en-US" dirty="0" smtClean="0"/>
-              <a:t>Difficulty two: Reduced to commonsense</a:t>
+              <a:t>: Continued</a:t>
             </a:r>
             <a:endParaRPr lang="en-GB" dirty="0"/>
           </a:p>
@@ -7013,14 +8083,274 @@
           <a:lstStyle/>
           <a:p>
             <a:r>
+              <a:rPr lang="en-US" sz="3200" dirty="0"/>
+              <a:t>The theoretical </a:t>
+            </a:r>
+            <a:r>
               <a:rPr lang="en-US" sz="3200" dirty="0" smtClean="0"/>
-              <a:t>Everyone is in society, so everyone’s a sociologist?</a:t>
-            </a:r>
-          </a:p>
+              <a:t>ambition</a:t>
+            </a:r>
+          </a:p>
+          <a:p>
+            <a:pPr lvl="1"/>
+            <a:r>
+              <a:rPr lang="en-US" sz="3000" dirty="0" smtClean="0"/>
+              <a:t>‘Unity’ of sciences: as long the scientific method is adhered to, the ‘laws’ will be understood</a:t>
+            </a:r>
+          </a:p>
+          <a:p>
+            <a:pPr lvl="1"/>
+            <a:r>
+              <a:rPr lang="en-US" sz="3000" dirty="0" smtClean="0"/>
+              <a:t>Two (founding) examples: Karl Marx and Sigmund Freud</a:t>
+            </a:r>
+          </a:p>
+          <a:p>
+            <a:pPr lvl="1"/>
+            <a:r>
+              <a:rPr lang="en-US" sz="3000" dirty="0" smtClean="0"/>
+              <a:t>And hence the confidence of natural scientists to examine and evaluate social sciences: </a:t>
+            </a:r>
+            <a:r>
+              <a:rPr lang="en-US" sz="3000" dirty="0" err="1" smtClean="0"/>
+              <a:t>Wienberg</a:t>
+            </a:r>
+            <a:r>
+              <a:rPr lang="en-US" sz="3000" dirty="0" smtClean="0"/>
+              <a:t>, </a:t>
+            </a:r>
+            <a:r>
+              <a:rPr lang="en-US" sz="3000" dirty="0" err="1" smtClean="0"/>
+              <a:t>Lewontin</a:t>
+            </a:r>
+            <a:r>
+              <a:rPr lang="en-US" sz="3000" dirty="0" smtClean="0"/>
+              <a:t> etc.</a:t>
+            </a:r>
+            <a:endParaRPr lang="en-US" sz="3000" dirty="0"/>
+          </a:p>
+        </p:txBody>
+      </p:sp>
+    </p:spTree>
+    <p:extLst>
+      <p:ext uri="{BB962C8B-B14F-4D97-AF65-F5344CB8AC3E}">
+        <p14:creationId xmlns:p14="http://schemas.microsoft.com/office/powerpoint/2010/main" val="4186385159"/>
+      </p:ext>
+    </p:extLst>
+  </p:cSld>
+  <p:clrMapOvr>
+    <a:masterClrMapping/>
+  </p:clrMapOvr>
+</p:sld>
+</file>
+
+<file path=ppt/slides/slide7.xml><?xml version="1.0" encoding="utf-8"?>
+<p:sld xmlns:a="http://schemas.openxmlformats.org/drawingml/2006/main" xmlns:r="http://schemas.openxmlformats.org/officeDocument/2006/relationships" xmlns:p="http://schemas.openxmlformats.org/presentationml/2006/main">
+  <p:cSld>
+    <p:spTree>
+      <p:nvGrpSpPr>
+        <p:cNvPr id="1" name=""/>
+        <p:cNvGrpSpPr/>
+        <p:nvPr/>
+      </p:nvGrpSpPr>
+      <p:grpSpPr>
+        <a:xfrm>
+          <a:off x="0" y="0"/>
+          <a:ext cx="0" cy="0"/>
+          <a:chOff x="0" y="0"/>
+          <a:chExt cx="0" cy="0"/>
+        </a:xfrm>
+      </p:grpSpPr>
+      <p:sp>
+        <p:nvSpPr>
+          <p:cNvPr id="2" name="Title 1"/>
+          <p:cNvSpPr>
+            <a:spLocks noGrp="1"/>
+          </p:cNvSpPr>
+          <p:nvPr>
+            <p:ph type="title"/>
+          </p:nvPr>
+        </p:nvSpPr>
+        <p:spPr/>
+        <p:txBody>
+          <a:bodyPr/>
+          <a:lstStyle/>
+          <a:p>
+            <a:r>
+              <a:rPr lang="en-US" u="sng" dirty="0"/>
+              <a:t>Matching up</a:t>
+            </a:r>
+            <a:r>
+              <a:rPr lang="en-US" dirty="0"/>
+              <a:t>: Continued</a:t>
+            </a:r>
+            <a:endParaRPr lang="en-GB" dirty="0"/>
+          </a:p>
+        </p:txBody>
+      </p:sp>
+      <p:sp>
+        <p:nvSpPr>
+          <p:cNvPr id="3" name="Content Placeholder 2"/>
+          <p:cNvSpPr>
+            <a:spLocks noGrp="1"/>
+          </p:cNvSpPr>
+          <p:nvPr>
+            <p:ph idx="1"/>
+          </p:nvPr>
+        </p:nvSpPr>
+        <p:spPr/>
+        <p:txBody>
+          <a:bodyPr>
+            <a:normAutofit fontScale="92500" lnSpcReduction="20000"/>
+          </a:bodyPr>
+          <a:lstStyle/>
           <a:p>
             <a:r>
               <a:rPr lang="en-US" sz="3200" dirty="0" smtClean="0"/>
-              <a:t>The irony of it:</a:t>
+              <a:t>Why has ‘matching up’ been difficult?</a:t>
+            </a:r>
+          </a:p>
+          <a:p>
+            <a:pPr lvl="1"/>
+            <a:r>
+              <a:rPr lang="en-US" sz="3200" dirty="0" smtClean="0"/>
+              <a:t>Dead </a:t>
+            </a:r>
+            <a:r>
+              <a:rPr lang="en-US" sz="3200" dirty="0"/>
+              <a:t>objects, self-reflecting </a:t>
+            </a:r>
+            <a:r>
+              <a:rPr lang="en-US" sz="3200" dirty="0" smtClean="0"/>
+              <a:t>humans/subject</a:t>
+            </a:r>
+          </a:p>
+          <a:p>
+            <a:pPr lvl="2"/>
+            <a:r>
+              <a:rPr lang="en-US" sz="3000" dirty="0" smtClean="0"/>
+              <a:t>Hermeneutics; Double Hermeneutics</a:t>
+            </a:r>
+          </a:p>
+          <a:p>
+            <a:pPr lvl="1"/>
+            <a:r>
+              <a:rPr lang="en-US" sz="3200" dirty="0" smtClean="0"/>
+              <a:t>The </a:t>
+            </a:r>
+            <a:r>
+              <a:rPr lang="en-US" sz="3200" dirty="0"/>
+              <a:t>deadly paradox of social </a:t>
+            </a:r>
+            <a:r>
+              <a:rPr lang="en-US" sz="3200" dirty="0" smtClean="0"/>
+              <a:t>theory</a:t>
+            </a:r>
+          </a:p>
+          <a:p>
+            <a:pPr lvl="2"/>
+            <a:r>
+              <a:rPr lang="en-US" sz="3000" dirty="0" smtClean="0"/>
+              <a:t>‘science’ is context-independent but the ‘social’ is context-dependent; not accounting for context is not </a:t>
+            </a:r>
+            <a:r>
+              <a:rPr lang="en-US" sz="3000" smtClean="0"/>
+              <a:t>useful knowledge</a:t>
+            </a:r>
+            <a:endParaRPr lang="en-US" sz="3000" dirty="0" smtClean="0"/>
+          </a:p>
+          <a:p>
+            <a:pPr lvl="1"/>
+            <a:r>
+              <a:rPr lang="en-US" sz="3200" dirty="0" smtClean="0"/>
+              <a:t>Focusing on ‘ends’</a:t>
+            </a:r>
+            <a:endParaRPr lang="en-GB" sz="3200" dirty="0"/>
+          </a:p>
+          <a:p>
+            <a:endParaRPr lang="en-GB" dirty="0"/>
+          </a:p>
+        </p:txBody>
+      </p:sp>
+    </p:spTree>
+    <p:extLst>
+      <p:ext uri="{BB962C8B-B14F-4D97-AF65-F5344CB8AC3E}">
+        <p14:creationId xmlns:p14="http://schemas.microsoft.com/office/powerpoint/2010/main" val="1540897078"/>
+      </p:ext>
+    </p:extLst>
+  </p:cSld>
+  <p:clrMapOvr>
+    <a:masterClrMapping/>
+  </p:clrMapOvr>
+</p:sld>
+</file>
+
+<file path=ppt/slides/slide8.xml><?xml version="1.0" encoding="utf-8"?>
+<p:sld xmlns:a="http://schemas.openxmlformats.org/drawingml/2006/main" xmlns:r="http://schemas.openxmlformats.org/officeDocument/2006/relationships" xmlns:p="http://schemas.openxmlformats.org/presentationml/2006/main">
+  <p:cSld>
+    <p:spTree>
+      <p:nvGrpSpPr>
+        <p:cNvPr id="1" name=""/>
+        <p:cNvGrpSpPr/>
+        <p:nvPr/>
+      </p:nvGrpSpPr>
+      <p:grpSpPr>
+        <a:xfrm>
+          <a:off x="0" y="0"/>
+          <a:ext cx="0" cy="0"/>
+          <a:chOff x="0" y="0"/>
+          <a:chExt cx="0" cy="0"/>
+        </a:xfrm>
+      </p:grpSpPr>
+      <p:sp>
+        <p:nvSpPr>
+          <p:cNvPr id="2" name="Title 1"/>
+          <p:cNvSpPr>
+            <a:spLocks noGrp="1"/>
+          </p:cNvSpPr>
+          <p:nvPr>
+            <p:ph type="title"/>
+          </p:nvPr>
+        </p:nvSpPr>
+        <p:spPr/>
+        <p:txBody>
+          <a:bodyPr/>
+          <a:lstStyle/>
+          <a:p>
+            <a:r>
+              <a:rPr lang="en-US" dirty="0" smtClean="0"/>
+              <a:t>Difficulty two: Reduced to commonsense</a:t>
+            </a:r>
+            <a:endParaRPr lang="en-GB" dirty="0"/>
+          </a:p>
+        </p:txBody>
+      </p:sp>
+      <p:sp>
+        <p:nvSpPr>
+          <p:cNvPr id="3" name="Content Placeholder 2"/>
+          <p:cNvSpPr>
+            <a:spLocks noGrp="1"/>
+          </p:cNvSpPr>
+          <p:nvPr>
+            <p:ph idx="1"/>
+          </p:nvPr>
+        </p:nvSpPr>
+        <p:spPr/>
+        <p:txBody>
+          <a:bodyPr>
+            <a:normAutofit lnSpcReduction="10000"/>
+          </a:bodyPr>
+          <a:lstStyle/>
+          <a:p>
+            <a:r>
+              <a:rPr lang="en-US" sz="3200" dirty="0" smtClean="0"/>
+              <a:t>Everyone is in society, so is everyone a sociologist?</a:t>
+            </a:r>
+          </a:p>
+          <a:p>
+            <a:r>
+              <a:rPr lang="en-US" sz="3200" dirty="0" smtClean="0"/>
+              <a:t>The double-irony of it:</a:t>
             </a:r>
           </a:p>
           <a:p>
@@ -7029,8 +8359,12 @@
               <a:buChar char="Ø"/>
             </a:pPr>
             <a:r>
+              <a:rPr lang="en-US" sz="3000" u="sng" dirty="0" smtClean="0"/>
+              <a:t>Irony </a:t>
+            </a:r>
+            <a:r>
               <a:rPr lang="en-US" sz="3000" dirty="0" smtClean="0"/>
-              <a:t>Commonsense is </a:t>
+              <a:t>1: Commonsense is </a:t>
             </a:r>
             <a:r>
               <a:rPr lang="en-US" sz="3000" u="sng" dirty="0" smtClean="0"/>
@@ -7047,26 +8381,77 @@
               <a:buChar char="Ø"/>
             </a:pPr>
             <a:r>
+              <a:rPr lang="en-US" sz="2800" u="sng" dirty="0" smtClean="0"/>
+              <a:t>Not</a:t>
+            </a:r>
+            <a:r>
               <a:rPr lang="en-US" sz="2800" dirty="0" smtClean="0"/>
-              <a:t>Three frameworks on commonsense</a:t>
-            </a:r>
-          </a:p>
-          <a:p>
-            <a:pPr lvl="1">
+              <a:t> ‘natural’ and therefore </a:t>
+            </a:r>
+            <a:r>
+              <a:rPr lang="en-US" sz="2800" u="sng" dirty="0" smtClean="0"/>
+              <a:t>not</a:t>
+            </a:r>
+            <a:r>
+              <a:rPr lang="en-US" sz="2800" dirty="0" smtClean="0"/>
+              <a:t> untaught</a:t>
+            </a:r>
+          </a:p>
+          <a:p>
+            <a:pPr lvl="2">
               <a:buFont typeface="Wingdings" panose="05000000000000000000" pitchFamily="2" charset="2"/>
               <a:buChar char="Ø"/>
             </a:pPr>
             <a:r>
-              <a:rPr lang="en-US" sz="3000" dirty="0" smtClean="0"/>
-              <a:t>Commonsense is </a:t>
-            </a:r>
-            <a:r>
-              <a:rPr lang="en-US" sz="3000" u="sng" dirty="0" smtClean="0"/>
-              <a:t>not</a:t>
-            </a:r>
-            <a:r>
-              <a:rPr lang="en-US" sz="3000" dirty="0" smtClean="0"/>
-              <a:t> sociology, for sociology is its critique </a:t>
+              <a:rPr lang="en-US" sz="2800" u="sng" dirty="0" smtClean="0"/>
+              <a:t>Cement</a:t>
+            </a:r>
+            <a:r>
+              <a:rPr lang="en-US" sz="2800" dirty="0" smtClean="0"/>
+              <a:t>, </a:t>
+            </a:r>
+            <a:r>
+              <a:rPr lang="en-US" sz="2800" u="sng" dirty="0" smtClean="0"/>
+              <a:t>pre-</a:t>
+            </a:r>
+            <a:r>
+              <a:rPr lang="en-US" sz="2800" u="sng" dirty="0" err="1" smtClean="0"/>
+              <a:t>judice</a:t>
+            </a:r>
+            <a:r>
+              <a:rPr lang="en-US" sz="2800" dirty="0" smtClean="0"/>
+              <a:t>, </a:t>
+            </a:r>
+            <a:r>
+              <a:rPr lang="en-US" sz="2800" u="sng" dirty="0" smtClean="0"/>
+              <a:t>tip of the iceberg</a:t>
+            </a:r>
+            <a:r>
+              <a:rPr lang="en-US" sz="2800" dirty="0" smtClean="0"/>
+              <a:t> </a:t>
+            </a:r>
+            <a:r>
+              <a:rPr lang="en-US" sz="2800" dirty="0" smtClean="0">
+                <a:sym typeface="Wingdings" panose="05000000000000000000" pitchFamily="2" charset="2"/>
+              </a:rPr>
+              <a:t> social life impossible </a:t>
+            </a:r>
+            <a:r>
+              <a:rPr lang="en-US" sz="2800" dirty="0" err="1" smtClean="0">
+                <a:sym typeface="Wingdings" panose="05000000000000000000" pitchFamily="2" charset="2"/>
+              </a:rPr>
+              <a:t>witout</a:t>
+            </a:r>
+            <a:endParaRPr lang="en-US" sz="2800" u="sng" dirty="0" smtClean="0"/>
+          </a:p>
+          <a:p>
+            <a:pPr lvl="2">
+              <a:buFont typeface="Wingdings" panose="05000000000000000000" pitchFamily="2" charset="2"/>
+              <a:buChar char="Ø"/>
+            </a:pPr>
+            <a:r>
+              <a:rPr lang="en-US" sz="2800" dirty="0" smtClean="0"/>
+              <a:t>Three frameworks on commonsense</a:t>
             </a:r>
           </a:p>
           <a:p>
@@ -7098,7 +8483,7 @@
 </p:sld>
 </file>
 
-<file path=ppt/slides/slide7.xml><?xml version="1.0" encoding="utf-8"?>
+<file path=ppt/slides/slide9.xml><?xml version="1.0" encoding="utf-8"?>
 <p:sld xmlns:a="http://schemas.openxmlformats.org/drawingml/2006/main" xmlns:r="http://schemas.openxmlformats.org/officeDocument/2006/relationships" xmlns:p="http://schemas.openxmlformats.org/presentationml/2006/main">
   <p:cSld>
     <p:spTree>
@@ -7132,7 +8517,7 @@
           <a:p>
             <a:r>
               <a:rPr lang="en-US" dirty="0" smtClean="0"/>
-              <a:t>Puncturing natural science’s confidence</a:t>
+              <a:t>Three sociological frameworks</a:t>
             </a:r>
             <a:endParaRPr lang="en-GB" dirty="0"/>
           </a:p>
@@ -7151,82 +8536,131 @@
         <p:spPr/>
         <p:txBody>
           <a:bodyPr>
-            <a:normAutofit fontScale="92500" lnSpcReduction="10000"/>
+            <a:normAutofit fontScale="92500" lnSpcReduction="20000"/>
           </a:bodyPr>
           <a:lstStyle/>
           <a:p>
             <a:r>
+              <a:rPr lang="en-US" sz="3200" dirty="0"/>
+              <a:t>a</a:t>
+            </a:r>
+            <a:r>
               <a:rPr lang="en-US" sz="3200" dirty="0" smtClean="0"/>
-              <a:t>Thomas Kuhn: normal science and revolutionary science</a:t>
-            </a:r>
-          </a:p>
-          <a:p>
+              <a:t>) </a:t>
+            </a:r>
+            <a:r>
+              <a:rPr lang="en-US" sz="3200" u="sng" dirty="0" smtClean="0"/>
+              <a:t>Phenomenology</a:t>
+            </a:r>
             <a:r>
               <a:rPr lang="en-US" sz="3200" dirty="0" smtClean="0"/>
-              <a:t>Universality of hermeneutics</a:t>
-            </a:r>
-          </a:p>
-          <a:p>
+              <a:t>: social world is a human construct; infinite possible meanings that </a:t>
+            </a:r>
+            <a:r>
+              <a:rPr lang="en-US" sz="3200" u="sng" dirty="0" smtClean="0"/>
+              <a:t>cannot</a:t>
+            </a:r>
             <a:r>
               <a:rPr lang="en-US" sz="3200" dirty="0" smtClean="0"/>
-              <a:t>Bruno </a:t>
-            </a:r>
-            <a:r>
-              <a:rPr lang="en-US" sz="3200" dirty="0" err="1" smtClean="0"/>
-              <a:t>Latour</a:t>
+              <a:t> be exhaustively described; </a:t>
+            </a:r>
+            <a:r>
+              <a:rPr lang="en-US" sz="3200" u="sng" dirty="0" smtClean="0"/>
+              <a:t>background understandings</a:t>
             </a:r>
             <a:r>
               <a:rPr lang="en-US" sz="3200" dirty="0" smtClean="0"/>
-              <a:t>: the distinction between nature and social</a:t>
-            </a:r>
-          </a:p>
-          <a:p>
+              <a:t>, </a:t>
+            </a:r>
+            <a:r>
+              <a:rPr lang="en-US" sz="3200" u="sng" dirty="0" err="1" smtClean="0"/>
+              <a:t>indexicality</a:t>
+            </a:r>
+            <a:endParaRPr lang="en-US" sz="3200" u="sng" dirty="0" smtClean="0"/>
+          </a:p>
+          <a:p>
+            <a:pPr lvl="1"/>
+            <a:r>
+              <a:rPr lang="en-US" sz="3000" dirty="0" smtClean="0"/>
+              <a:t>Example: </a:t>
+            </a:r>
+            <a:r>
+              <a:rPr lang="en-US" sz="3000" u="sng" dirty="0" smtClean="0"/>
+              <a:t>breaching experiments</a:t>
+            </a:r>
+            <a:endParaRPr lang="en-GB" sz="3000" dirty="0" smtClean="0"/>
+          </a:p>
+          <a:p>
+            <a:r>
+              <a:rPr lang="en-US" sz="3200" dirty="0"/>
+              <a:t>b</a:t>
+            </a:r>
             <a:r>
               <a:rPr lang="en-US" sz="3200" dirty="0" smtClean="0"/>
-              <a:t>Rethinking what science is:</a:t>
-            </a:r>
-          </a:p>
-          <a:p>
-            <a:pPr lvl="1">
-              <a:buFont typeface="Wingdings" panose="05000000000000000000" pitchFamily="2" charset="2"/>
-              <a:buChar char="Ø"/>
-            </a:pPr>
-            <a:r>
-              <a:rPr lang="en-US" sz="3000" dirty="0"/>
-              <a:t>C</a:t>
-            </a:r>
-            <a:r>
-              <a:rPr lang="en-US" sz="3000" dirty="0" smtClean="0"/>
-              <a:t>ommunity, training, consensus building, anxiety to belong</a:t>
-            </a:r>
-          </a:p>
-          <a:p>
-            <a:pPr lvl="1">
-              <a:buFont typeface="Wingdings" panose="05000000000000000000" pitchFamily="2" charset="2"/>
-              <a:buChar char="Ø"/>
-            </a:pPr>
-            <a:r>
-              <a:rPr lang="en-US" sz="3000" dirty="0" smtClean="0"/>
-              <a:t>Yet, competitive, critical; rule-bound and systematic</a:t>
-            </a:r>
-          </a:p>
-          <a:p>
-            <a:pPr lvl="1">
-              <a:buFont typeface="Wingdings" panose="05000000000000000000" pitchFamily="2" charset="2"/>
-              <a:buChar char="Ø"/>
-            </a:pPr>
-            <a:r>
-              <a:rPr lang="en-US" sz="3000" dirty="0" smtClean="0"/>
-              <a:t>Usable, cumulative, engineering</a:t>
-            </a:r>
-            <a:endParaRPr lang="en-GB" sz="3000" dirty="0"/>
+              <a:t>) </a:t>
+            </a:r>
+            <a:r>
+              <a:rPr lang="en-US" sz="3200" u="sng" dirty="0" smtClean="0"/>
+              <a:t>Antonio Gramsci</a:t>
+            </a:r>
+            <a:r>
+              <a:rPr lang="en-US" sz="3200" dirty="0" smtClean="0"/>
+              <a:t>: Marxism’s difficulty; chaotic collection, contradictory; imposed partial coherence, securing passive/active consent; </a:t>
+            </a:r>
+            <a:r>
+              <a:rPr lang="en-US" sz="3200" u="sng" dirty="0" smtClean="0"/>
+              <a:t>but</a:t>
+            </a:r>
+            <a:r>
+              <a:rPr lang="en-US" sz="3200" dirty="0" smtClean="0"/>
+              <a:t> …; war of position</a:t>
+            </a:r>
+          </a:p>
+          <a:p>
+            <a:r>
+              <a:rPr lang="en-US" sz="3200" dirty="0"/>
+              <a:t>c</a:t>
+            </a:r>
+            <a:r>
+              <a:rPr lang="en-US" sz="3200" dirty="0" smtClean="0"/>
+              <a:t>) </a:t>
+            </a:r>
+            <a:r>
+              <a:rPr lang="en-US" sz="3200" u="sng" dirty="0" smtClean="0"/>
+              <a:t>Pierre Bourdieu</a:t>
+            </a:r>
+            <a:r>
+              <a:rPr lang="en-US" sz="3200" dirty="0" smtClean="0"/>
+              <a:t>: </a:t>
+            </a:r>
+            <a:r>
+              <a:rPr lang="en-US" sz="3200" u="sng" dirty="0" err="1" smtClean="0"/>
+              <a:t>doxa</a:t>
+            </a:r>
+            <a:r>
+              <a:rPr lang="en-US" sz="3200" dirty="0" smtClean="0"/>
+              <a:t> (“goes without saying”); reconciling </a:t>
+            </a:r>
+            <a:r>
+              <a:rPr lang="en-US" sz="3200" u="sng" dirty="0" smtClean="0"/>
+              <a:t>structure</a:t>
+            </a:r>
+            <a:r>
+              <a:rPr lang="en-US" sz="3200" dirty="0" smtClean="0"/>
+              <a:t> and </a:t>
+            </a:r>
+            <a:r>
+              <a:rPr lang="en-US" sz="3200" u="sng" dirty="0" smtClean="0"/>
+              <a:t>free will</a:t>
+            </a:r>
+            <a:endParaRPr lang="en-US" sz="3200" dirty="0" smtClean="0"/>
           </a:p>
         </p:txBody>
       </p:sp>
     </p:spTree>
     <p:extLst>
       <p:ext uri="{BB962C8B-B14F-4D97-AF65-F5344CB8AC3E}">
-        <p14:creationId xmlns:p14="http://schemas.microsoft.com/office/powerpoint/2010/main" val="3830980707"/>
+        <p14:creationId xmlns:p14="http://schemas.microsoft.com/office/powerpoint/2010/main" val="3982891344"/>
       </p:ext>
     </p:extLst>
   </p:cSld>
